--- a/Homework-2/TriviaTED_glue.pptx
+++ b/Homework-2/TriviaTED_glue.pptx
@@ -222,7 +222,7 @@
           <a:p>
             <a:fld id="{7825481E-31EC-4F43-8552-D9976D0368E7}" type="datetimeFigureOut">
               <a:rPr lang="en-US" smtClean="0"/>
-              <a:t>5/12/2021</a:t>
+              <a:t>5/26/2021</a:t>
             </a:fld>
             <a:endParaRPr lang="en-US"/>
           </a:p>
@@ -399,7 +399,7 @@
           <a:p>
             <a:fld id="{1A770215-E1CE-4563-801F-87A4EE4A64E9}" type="datetimeFigureOut">
               <a:rPr lang="en-US" smtClean="0"/>
-              <a:t>5/12/2021</a:t>
+              <a:t>5/26/2021</a:t>
             </a:fld>
             <a:endParaRPr lang="en-US"/>
           </a:p>
@@ -813,7 +813,7 @@
           <a:p>
             <a:fld id="{D3CABAE0-76FA-4600-B41D-E956583E598F}" type="datetimeFigureOut">
               <a:rPr lang="en-US" smtClean="0"/>
-              <a:t>5/12/2021</a:t>
+              <a:t>5/26/2021</a:t>
             </a:fld>
             <a:endParaRPr lang="en-US"/>
           </a:p>
@@ -1011,7 +1011,7 @@
           <a:p>
             <a:fld id="{D3CABAE0-76FA-4600-B41D-E956583E598F}" type="datetimeFigureOut">
               <a:rPr lang="en-US" smtClean="0"/>
-              <a:t>5/12/2021</a:t>
+              <a:t>5/26/2021</a:t>
             </a:fld>
             <a:endParaRPr lang="en-US"/>
           </a:p>
@@ -1219,7 +1219,7 @@
           <a:p>
             <a:fld id="{D3CABAE0-76FA-4600-B41D-E956583E598F}" type="datetimeFigureOut">
               <a:rPr lang="en-US" smtClean="0"/>
-              <a:t>5/12/2021</a:t>
+              <a:t>5/26/2021</a:t>
             </a:fld>
             <a:endParaRPr lang="en-US"/>
           </a:p>
@@ -1417,7 +1417,7 @@
           <a:p>
             <a:fld id="{D3CABAE0-76FA-4600-B41D-E956583E598F}" type="datetimeFigureOut">
               <a:rPr lang="en-US" smtClean="0"/>
-              <a:t>5/12/2021</a:t>
+              <a:t>5/26/2021</a:t>
             </a:fld>
             <a:endParaRPr lang="en-US"/>
           </a:p>
@@ -1692,7 +1692,7 @@
           <a:p>
             <a:fld id="{D3CABAE0-76FA-4600-B41D-E956583E598F}" type="datetimeFigureOut">
               <a:rPr lang="en-US" smtClean="0"/>
-              <a:t>5/12/2021</a:t>
+              <a:t>5/26/2021</a:t>
             </a:fld>
             <a:endParaRPr lang="en-US"/>
           </a:p>
@@ -1957,7 +1957,7 @@
           <a:p>
             <a:fld id="{D3CABAE0-76FA-4600-B41D-E956583E598F}" type="datetimeFigureOut">
               <a:rPr lang="en-US" smtClean="0"/>
-              <a:t>5/12/2021</a:t>
+              <a:t>5/26/2021</a:t>
             </a:fld>
             <a:endParaRPr lang="en-US"/>
           </a:p>
@@ -2369,7 +2369,7 @@
           <a:p>
             <a:fld id="{D3CABAE0-76FA-4600-B41D-E956583E598F}" type="datetimeFigureOut">
               <a:rPr lang="en-US" smtClean="0"/>
-              <a:t>5/12/2021</a:t>
+              <a:t>5/26/2021</a:t>
             </a:fld>
             <a:endParaRPr lang="en-US"/>
           </a:p>
@@ -2510,7 +2510,7 @@
           <a:p>
             <a:fld id="{D3CABAE0-76FA-4600-B41D-E956583E598F}" type="datetimeFigureOut">
               <a:rPr lang="en-US" smtClean="0"/>
-              <a:t>5/12/2021</a:t>
+              <a:t>5/26/2021</a:t>
             </a:fld>
             <a:endParaRPr lang="en-US"/>
           </a:p>
@@ -2623,7 +2623,7 @@
           <a:p>
             <a:fld id="{D3CABAE0-76FA-4600-B41D-E956583E598F}" type="datetimeFigureOut">
               <a:rPr lang="en-US" smtClean="0"/>
-              <a:t>5/12/2021</a:t>
+              <a:t>5/26/2021</a:t>
             </a:fld>
             <a:endParaRPr lang="en-US"/>
           </a:p>
@@ -2934,7 +2934,7 @@
           <a:p>
             <a:fld id="{D3CABAE0-76FA-4600-B41D-E956583E598F}" type="datetimeFigureOut">
               <a:rPr lang="en-US" smtClean="0"/>
-              <a:t>5/12/2021</a:t>
+              <a:t>5/26/2021</a:t>
             </a:fld>
             <a:endParaRPr lang="en-US"/>
           </a:p>
@@ -3222,7 +3222,7 @@
           <a:p>
             <a:fld id="{D3CABAE0-76FA-4600-B41D-E956583E598F}" type="datetimeFigureOut">
               <a:rPr lang="en-US" smtClean="0"/>
-              <a:t>5/12/2021</a:t>
+              <a:t>5/26/2021</a:t>
             </a:fld>
             <a:endParaRPr lang="en-US"/>
           </a:p>
@@ -3463,7 +3463,7 @@
           <a:p>
             <a:fld id="{D3CABAE0-76FA-4600-B41D-E956583E598F}" type="datetimeFigureOut">
               <a:rPr lang="en-US" smtClean="0"/>
-              <a:t>5/12/2021</a:t>
+              <a:t>5/26/2021</a:t>
             </a:fld>
             <a:endParaRPr lang="en-US"/>
           </a:p>
@@ -4247,7 +4247,9 @@
           </a:xfrm>
         </p:spPr>
         <p:txBody>
-          <a:bodyPr/>
+          <a:bodyPr>
+            <a:normAutofit lnSpcReduction="10000"/>
+          </a:bodyPr>
           <a:lstStyle/>
           <a:p>
             <a:pPr marL="0" indent="0">
@@ -4270,6 +4272,20 @@
             <a:r>
               <a:rPr lang="it-IT" dirty="0"/>
               <a:t> sono presenti numerosi duplicati</a:t>
+            </a:r>
+          </a:p>
+          <a:p>
+            <a:r>
+              <a:rPr lang="it-IT" dirty="0"/>
+              <a:t>Sono presenti record con </a:t>
+            </a:r>
+            <a:r>
+              <a:rPr lang="it-IT" dirty="0" err="1"/>
+              <a:t>url</a:t>
+            </a:r>
+            <a:r>
+              <a:rPr lang="it-IT" dirty="0"/>
+              <a:t> non valido</a:t>
             </a:r>
             <a:endParaRPr lang="en-US" dirty="0"/>
           </a:p>
@@ -4336,7 +4352,7 @@
         </p:blipFill>
         <p:spPr>
           <a:xfrm>
-            <a:off x="838200" y="3048940"/>
+            <a:off x="838200" y="3350784"/>
             <a:ext cx="10515600" cy="2357846"/>
           </a:xfrm>
           <a:prstGeom prst="rect">
@@ -4669,7 +4685,7 @@
             </a:pPr>
             <a:r>
               <a:rPr lang="it-IT" dirty="0"/>
-              <a:t>Necessari per l’implementazione della nostra applicazione abbiamo aggiunto i dati (fittizi) relativi alle trascrizioni dei talk in varie lingue.</a:t>
+              <a:t>Necessari per l’implementazione della nostra applicazione abbiamo aggiunto i dati relativi alle trascrizioni dei talk in varie lingue.</a:t>
             </a:r>
           </a:p>
           <a:p>
@@ -4707,36 +4723,6 @@
           <a:xfrm>
             <a:off x="10675011" y="5720258"/>
             <a:ext cx="1516989" cy="1137742"/>
-          </a:xfrm>
-          <a:prstGeom prst="rect">
-            <a:avLst/>
-          </a:prstGeom>
-        </p:spPr>
-      </p:pic>
-      <p:pic>
-        <p:nvPicPr>
-          <p:cNvPr id="4" name="Immagine 3">
-            <a:extLst>
-              <a:ext uri="{FF2B5EF4-FFF2-40B4-BE49-F238E27FC236}">
-                <a16:creationId xmlns:a16="http://schemas.microsoft.com/office/drawing/2014/main" id="{D8C4E41B-EA8F-4709-821B-DAA7D60DF963}"/>
-              </a:ext>
-            </a:extLst>
-          </p:cNvPr>
-          <p:cNvPicPr>
-            <a:picLocks noChangeAspect="1"/>
-          </p:cNvPicPr>
-          <p:nvPr/>
-        </p:nvPicPr>
-        <p:blipFill>
-          <a:blip r:embed="rId3"/>
-          <a:stretch>
-            <a:fillRect/>
-          </a:stretch>
-        </p:blipFill>
-        <p:spPr>
-          <a:xfrm>
-            <a:off x="838199" y="2876686"/>
-            <a:ext cx="10515599" cy="2887034"/>
           </a:xfrm>
           <a:prstGeom prst="rect">
             <a:avLst/>
@@ -4773,36 +4759,6 @@
           <a:chExt cx="0" cy="0"/>
         </a:xfrm>
       </p:grpSpPr>
-      <p:pic>
-        <p:nvPicPr>
-          <p:cNvPr id="4" name="Immagine 3">
-            <a:extLst>
-              <a:ext uri="{FF2B5EF4-FFF2-40B4-BE49-F238E27FC236}">
-                <a16:creationId xmlns:a16="http://schemas.microsoft.com/office/drawing/2014/main" id="{6437532D-8CAF-4C36-8429-49C069550838}"/>
-              </a:ext>
-            </a:extLst>
-          </p:cNvPr>
-          <p:cNvPicPr>
-            <a:picLocks noChangeAspect="1"/>
-          </p:cNvPicPr>
-          <p:nvPr/>
-        </p:nvPicPr>
-        <p:blipFill>
-          <a:blip r:embed="rId2"/>
-          <a:stretch>
-            <a:fillRect/>
-          </a:stretch>
-        </p:blipFill>
-        <p:spPr>
-          <a:xfrm>
-            <a:off x="5782655" y="1472499"/>
-            <a:ext cx="5925377" cy="5020376"/>
-          </a:xfrm>
-          <a:prstGeom prst="rect">
-            <a:avLst/>
-          </a:prstGeom>
-        </p:spPr>
-      </p:pic>
       <p:sp>
         <p:nvSpPr>
           <p:cNvPr id="2" name="Title 1">
@@ -4879,14 +4835,44 @@
             </a:pPr>
             <a:endParaRPr lang="it-IT" dirty="0"/>
           </a:p>
-          <a:p>
-            <a:pPr marL="0" indent="0">
-              <a:buNone/>
-            </a:pPr>
-            <a:endParaRPr lang="it-IT" dirty="0"/>
-          </a:p>
-        </p:txBody>
-      </p:sp>
+        </p:txBody>
+      </p:sp>
+      <p:pic>
+        <p:nvPicPr>
+          <p:cNvPr id="7" name="Immagine 6" descr="Immagine che contiene testo&#10;&#10;Descrizione generata automaticamente">
+            <a:extLst>
+              <a:ext uri="{FF2B5EF4-FFF2-40B4-BE49-F238E27FC236}">
+                <a16:creationId xmlns:a16="http://schemas.microsoft.com/office/drawing/2014/main" id="{6CE25FA1-DBFC-48C7-B199-30F6BAFB76BD}"/>
+              </a:ext>
+            </a:extLst>
+          </p:cNvPr>
+          <p:cNvPicPr>
+            <a:picLocks noChangeAspect="1"/>
+          </p:cNvPicPr>
+          <p:nvPr/>
+        </p:nvPicPr>
+        <p:blipFill>
+          <a:blip r:embed="rId2">
+            <a:extLst>
+              <a:ext uri="{28A0092B-C50C-407E-A947-70E740481C1C}">
+                <a14:useLocalDpi xmlns:a14="http://schemas.microsoft.com/office/drawing/2010/main" val="0"/>
+              </a:ext>
+            </a:extLst>
+          </a:blip>
+          <a:stretch>
+            <a:fillRect/>
+          </a:stretch>
+        </p:blipFill>
+        <p:spPr>
+          <a:xfrm>
+            <a:off x="5637968" y="581665"/>
+            <a:ext cx="5800336" cy="5726514"/>
+          </a:xfrm>
+          <a:prstGeom prst="rect">
+            <a:avLst/>
+          </a:prstGeom>
+        </p:spPr>
+      </p:pic>
       <p:pic>
         <p:nvPicPr>
           <p:cNvPr id="5" name="Picture 4">
@@ -5036,15 +5022,7 @@
             </a:r>
             <a:r>
               <a:rPr lang="it-IT" dirty="0"/>
-              <a:t> anche </a:t>
-            </a:r>
-            <a:r>
-              <a:rPr lang="it-IT" dirty="0" err="1"/>
-              <a:t>l’url</a:t>
-            </a:r>
-            <a:r>
-              <a:rPr lang="it-IT" dirty="0"/>
-              <a:t> oltre gli id.</a:t>
+              <a:t> anche i dati del video oltre all’id.</a:t>
             </a:r>
           </a:p>
           <a:p>
@@ -5059,15 +5037,7 @@
           <a:p>
             <a:r>
               <a:rPr lang="it-IT" dirty="0"/>
-              <a:t>Non c’è bisogno di fare una seconda query per ottenere </a:t>
-            </a:r>
-            <a:r>
-              <a:rPr lang="it-IT" dirty="0" err="1"/>
-              <a:t>l’url</a:t>
-            </a:r>
-            <a:r>
-              <a:rPr lang="it-IT" dirty="0"/>
-              <a:t> dei video </a:t>
+              <a:t>Non c’è bisogno di fare una seconda query per ottenere le informazioni dei video </a:t>
             </a:r>
             <a:r>
               <a:rPr lang="it-IT" dirty="0" err="1"/>
@@ -5472,13 +5442,7 @@
                 <a:latin typeface="Helvetica" panose="020B0604020202020204" pitchFamily="34" charset="0"/>
                 <a:cs typeface="Helvetica" panose="020B0604020202020204" pitchFamily="34" charset="0"/>
               </a:rPr>
-              <a:t>: </a:t>
-            </a:r>
-            <a:r>
-              <a:rPr lang="it-IT" sz="2200" dirty="0">
-                <a:hlinkClick r:id="rId3"/>
-              </a:rPr>
-              <a:t>Mobile-Cloud-Technlogies-2021/pyspark_job_tedx_population.py</a:t>
+              <a:t>: pyspark_job_tedx_population.py</a:t>
             </a:r>
             <a:endParaRPr lang="it-IT" sz="2200" dirty="0"/>
           </a:p>
@@ -5488,25 +5452,7 @@
                 <a:latin typeface="Helvetica" panose="020B0604020202020204" pitchFamily="34" charset="0"/>
                 <a:cs typeface="Helvetica" panose="020B0604020202020204" pitchFamily="34" charset="0"/>
               </a:rPr>
-              <a:t>Dataset trascrizioni: </a:t>
-            </a:r>
-            <a:r>
-              <a:rPr lang="it-IT" sz="2200" dirty="0">
-                <a:hlinkClick r:id="rId4"/>
-              </a:rPr>
-              <a:t>Mobile-Cloud-Technlogies-2021/subtitles_dataset.csv </a:t>
-            </a:r>
-            <a:r>
-              <a:rPr lang="it-IT" sz="2200" dirty="0" err="1">
-                <a:hlinkClick r:id="rId4"/>
-              </a:rPr>
-              <a:t>at</a:t>
-            </a:r>
-            <a:r>
-              <a:rPr lang="it-IT" sz="2200" dirty="0">
-                <a:hlinkClick r:id="rId4"/>
-              </a:rPr>
-              <a:t> master</a:t>
+              <a:t>Dataset trascrizioni: subtitles_dataset.csv</a:t>
             </a:r>
             <a:endParaRPr lang="en-US" sz="2200" dirty="0">
               <a:latin typeface="Helvetica" panose="020B0604020202020204" pitchFamily="34" charset="0"/>
@@ -5530,7 +5476,7 @@
           <p:nvPr/>
         </p:nvPicPr>
         <p:blipFill>
-          <a:blip r:embed="rId5">
+          <a:blip r:embed="rId3">
             <a:extLst>
               <a:ext uri="{28A0092B-C50C-407E-A947-70E740481C1C}">
                 <a14:useLocalDpi xmlns:a14="http://schemas.microsoft.com/office/drawing/2010/main" val="0"/>

--- a/Homework-2/TriviaTED_glue.pptx
+++ b/Homework-2/TriviaTED_glue.pptx
@@ -300,7 +300,7 @@
           <a:p>
             <a:fld id="{F1338512-BCD8-46F8-8260-F9E429BD9484}" type="slidenum">
               <a:rPr lang="en-US" smtClean="0"/>
-              <a:t>‹N›</a:t>
+              <a:t>‹#›</a:t>
             </a:fld>
             <a:endParaRPr lang="en-US"/>
           </a:p>
@@ -557,7 +557,7 @@
           <a:p>
             <a:fld id="{C926A103-DBA5-488C-BEDD-BBA08765C5B7}" type="slidenum">
               <a:rPr lang="en-US" smtClean="0"/>
-              <a:t>‹N›</a:t>
+              <a:t>‹#›</a:t>
             </a:fld>
             <a:endParaRPr lang="en-US"/>
           </a:p>
@@ -867,7 +867,7 @@
           <a:p>
             <a:fld id="{22F36300-B0DF-45E4-9A2C-2CA921028511}" type="slidenum">
               <a:rPr lang="en-US" smtClean="0"/>
-              <a:t>‹N›</a:t>
+              <a:t>‹#›</a:t>
             </a:fld>
             <a:endParaRPr lang="en-US"/>
           </a:p>
@@ -1065,7 +1065,7 @@
           <a:p>
             <a:fld id="{22F36300-B0DF-45E4-9A2C-2CA921028511}" type="slidenum">
               <a:rPr lang="en-US" smtClean="0"/>
-              <a:t>‹N›</a:t>
+              <a:t>‹#›</a:t>
             </a:fld>
             <a:endParaRPr lang="en-US"/>
           </a:p>
@@ -1273,7 +1273,7 @@
           <a:p>
             <a:fld id="{22F36300-B0DF-45E4-9A2C-2CA921028511}" type="slidenum">
               <a:rPr lang="en-US" smtClean="0"/>
-              <a:t>‹N›</a:t>
+              <a:t>‹#›</a:t>
             </a:fld>
             <a:endParaRPr lang="en-US"/>
           </a:p>
@@ -1471,7 +1471,7 @@
           <a:p>
             <a:fld id="{22F36300-B0DF-45E4-9A2C-2CA921028511}" type="slidenum">
               <a:rPr lang="en-US" smtClean="0"/>
-              <a:t>‹N›</a:t>
+              <a:t>‹#›</a:t>
             </a:fld>
             <a:endParaRPr lang="en-US"/>
           </a:p>
@@ -1746,7 +1746,7 @@
           <a:p>
             <a:fld id="{22F36300-B0DF-45E4-9A2C-2CA921028511}" type="slidenum">
               <a:rPr lang="en-US" smtClean="0"/>
-              <a:t>‹N›</a:t>
+              <a:t>‹#›</a:t>
             </a:fld>
             <a:endParaRPr lang="en-US"/>
           </a:p>
@@ -2011,7 +2011,7 @@
           <a:p>
             <a:fld id="{22F36300-B0DF-45E4-9A2C-2CA921028511}" type="slidenum">
               <a:rPr lang="en-US" smtClean="0"/>
-              <a:t>‹N›</a:t>
+              <a:t>‹#›</a:t>
             </a:fld>
             <a:endParaRPr lang="en-US"/>
           </a:p>
@@ -2423,7 +2423,7 @@
           <a:p>
             <a:fld id="{22F36300-B0DF-45E4-9A2C-2CA921028511}" type="slidenum">
               <a:rPr lang="en-US" smtClean="0"/>
-              <a:t>‹N›</a:t>
+              <a:t>‹#›</a:t>
             </a:fld>
             <a:endParaRPr lang="en-US"/>
           </a:p>
@@ -2564,7 +2564,7 @@
           <a:p>
             <a:fld id="{22F36300-B0DF-45E4-9A2C-2CA921028511}" type="slidenum">
               <a:rPr lang="en-US" smtClean="0"/>
-              <a:t>‹N›</a:t>
+              <a:t>‹#›</a:t>
             </a:fld>
             <a:endParaRPr lang="en-US"/>
           </a:p>
@@ -2677,7 +2677,7 @@
           <a:p>
             <a:fld id="{22F36300-B0DF-45E4-9A2C-2CA921028511}" type="slidenum">
               <a:rPr lang="en-US" smtClean="0"/>
-              <a:t>‹N›</a:t>
+              <a:t>‹#›</a:t>
             </a:fld>
             <a:endParaRPr lang="en-US"/>
           </a:p>
@@ -2988,7 +2988,7 @@
           <a:p>
             <a:fld id="{22F36300-B0DF-45E4-9A2C-2CA921028511}" type="slidenum">
               <a:rPr lang="en-US" smtClean="0"/>
-              <a:t>‹N›</a:t>
+              <a:t>‹#›</a:t>
             </a:fld>
             <a:endParaRPr lang="en-US"/>
           </a:p>
@@ -3276,7 +3276,7 @@
           <a:p>
             <a:fld id="{22F36300-B0DF-45E4-9A2C-2CA921028511}" type="slidenum">
               <a:rPr lang="en-US" smtClean="0"/>
-              <a:t>‹N›</a:t>
+              <a:t>‹#›</a:t>
             </a:fld>
             <a:endParaRPr lang="en-US"/>
           </a:p>
@@ -3553,7 +3553,7 @@
           <a:p>
             <a:fld id="{22F36300-B0DF-45E4-9A2C-2CA921028511}" type="slidenum">
               <a:rPr lang="en-US" smtClean="0"/>
-              <a:t>‹N›</a:t>
+              <a:t>‹#›</a:t>
             </a:fld>
             <a:endParaRPr lang="en-US"/>
           </a:p>
@@ -4672,12 +4672,14 @@
         </p:nvSpPr>
         <p:spPr>
           <a:xfrm>
-            <a:off x="838200" y="1825626"/>
-            <a:ext cx="10515600" cy="1051060"/>
+            <a:off x="838200" y="1825625"/>
+            <a:ext cx="10515600" cy="1420914"/>
           </a:xfrm>
         </p:spPr>
         <p:txBody>
-          <a:bodyPr/>
+          <a:bodyPr>
+            <a:normAutofit fontScale="92500" lnSpcReduction="10000"/>
+          </a:bodyPr>
           <a:lstStyle/>
           <a:p>
             <a:pPr marL="0" indent="0">
@@ -4685,7 +4687,7 @@
             </a:pPr>
             <a:r>
               <a:rPr lang="it-IT" dirty="0"/>
-              <a:t>Necessari per l’implementazione della nostra applicazione abbiamo aggiunto i dati relativi alle trascrizioni dei talk in varie lingue.</a:t>
+              <a:t>Necessari per l’implementazione della nostra applicazione abbiamo aggiunto i dati relativi alle trascrizioni dei talk in varie lingue. Per ora abbiamo utilizzato un file trovato su github generato dallo scraping delle trascrizioni (e altri dati) direttamente da TED</a:t>
             </a:r>
           </a:p>
           <a:p>
@@ -4723,6 +4725,36 @@
           <a:xfrm>
             <a:off x="10675011" y="5720258"/>
             <a:ext cx="1516989" cy="1137742"/>
+          </a:xfrm>
+          <a:prstGeom prst="rect">
+            <a:avLst/>
+          </a:prstGeom>
+        </p:spPr>
+      </p:pic>
+      <p:pic>
+        <p:nvPicPr>
+          <p:cNvPr id="6" name="Picture 5">
+            <a:extLst>
+              <a:ext uri="{FF2B5EF4-FFF2-40B4-BE49-F238E27FC236}">
+                <a16:creationId xmlns:a16="http://schemas.microsoft.com/office/drawing/2014/main" id="{0EDA1D95-8ABD-4B75-8E27-17671D5922BB}"/>
+              </a:ext>
+            </a:extLst>
+          </p:cNvPr>
+          <p:cNvPicPr>
+            <a:picLocks noChangeAspect="1"/>
+          </p:cNvPicPr>
+          <p:nvPr/>
+        </p:nvPicPr>
+        <p:blipFill>
+          <a:blip r:embed="rId3"/>
+          <a:stretch>
+            <a:fillRect/>
+          </a:stretch>
+        </p:blipFill>
+        <p:spPr>
+          <a:xfrm>
+            <a:off x="838200" y="3383210"/>
+            <a:ext cx="10039350" cy="2105025"/>
           </a:xfrm>
           <a:prstGeom prst="rect">
             <a:avLst/>
@@ -5452,7 +5484,14 @@
                 <a:latin typeface="Helvetica" panose="020B0604020202020204" pitchFamily="34" charset="0"/>
                 <a:cs typeface="Helvetica" panose="020B0604020202020204" pitchFamily="34" charset="0"/>
               </a:rPr>
-              <a:t>Dataset trascrizioni: subtitles_dataset.csv</a:t>
+              <a:t>Dataset trascrizioni: TED_Talk</a:t>
+            </a:r>
+            <a:r>
+              <a:rPr lang="it-IT" sz="2200">
+                <a:latin typeface="Helvetica" panose="020B0604020202020204" pitchFamily="34" charset="0"/>
+                <a:cs typeface="Helvetica" panose="020B0604020202020204" pitchFamily="34" charset="0"/>
+              </a:rPr>
+              <a:t>.csv</a:t>
             </a:r>
             <a:endParaRPr lang="en-US" sz="2200" dirty="0">
               <a:latin typeface="Helvetica" panose="020B0604020202020204" pitchFamily="34" charset="0"/>
